--- a/logo_curso/logo.pptx
+++ b/logo_curso/logo.pptx
@@ -155,7 +155,7 @@
           </a:lstStyle>
           <a:p>
             <a:r>
-              <a:rPr lang="es-ES" smtClean="0"/>
+              <a:rPr lang="es-ES"/>
               <a:t>Haga clic para modificar el estilo de título del patrón</a:t>
             </a:r>
             <a:endParaRPr lang="en-US" dirty="0"/>
@@ -220,7 +220,7 @@
           </a:lstStyle>
           <a:p>
             <a:r>
-              <a:rPr lang="es-ES" smtClean="0"/>
+              <a:rPr lang="es-ES"/>
               <a:t>Haga clic para editar el estilo de subtítulo del patrón</a:t>
             </a:r>
             <a:endParaRPr lang="en-US" dirty="0"/>
@@ -244,7 +244,7 @@
           <a:p>
             <a:fld id="{C2D44906-5E35-4262-8014-2F611CDABDE4}" type="datetimeFigureOut">
               <a:rPr lang="es-ES" smtClean="0"/>
-              <a:t>18/06/2018</a:t>
+              <a:t>30/8/19</a:t>
             </a:fld>
             <a:endParaRPr lang="es-ES"/>
           </a:p>
@@ -286,7 +286,7 @@
           <a:p>
             <a:fld id="{6E23E2FD-77A7-4251-93D3-4965AEA4B9F1}" type="slidenum">
               <a:rPr lang="es-ES" smtClean="0"/>
-              <a:t>‹Nº›</a:t>
+              <a:t>‹#›</a:t>
             </a:fld>
             <a:endParaRPr lang="es-ES"/>
           </a:p>
@@ -338,7 +338,7 @@
           <a:lstStyle/>
           <a:p>
             <a:r>
-              <a:rPr lang="es-ES" smtClean="0"/>
+              <a:rPr lang="es-ES"/>
               <a:t>Haga clic para modificar el estilo de título del patrón</a:t>
             </a:r>
             <a:endParaRPr lang="en-US" dirty="0"/>
@@ -362,35 +362,35 @@
           <a:p>
             <a:pPr lvl="0"/>
             <a:r>
-              <a:rPr lang="es-ES" smtClean="0"/>
+              <a:rPr lang="es-ES"/>
               <a:t>Editar el estilo de texto del patrón</a:t>
             </a:r>
           </a:p>
           <a:p>
             <a:pPr lvl="1"/>
             <a:r>
-              <a:rPr lang="es-ES" smtClean="0"/>
+              <a:rPr lang="es-ES"/>
               <a:t>Segundo nivel</a:t>
             </a:r>
           </a:p>
           <a:p>
             <a:pPr lvl="2"/>
             <a:r>
-              <a:rPr lang="es-ES" smtClean="0"/>
+              <a:rPr lang="es-ES"/>
               <a:t>Tercer nivel</a:t>
             </a:r>
           </a:p>
           <a:p>
             <a:pPr lvl="3"/>
             <a:r>
-              <a:rPr lang="es-ES" smtClean="0"/>
+              <a:rPr lang="es-ES"/>
               <a:t>Cuarto nivel</a:t>
             </a:r>
           </a:p>
           <a:p>
             <a:pPr lvl="4"/>
             <a:r>
-              <a:rPr lang="es-ES" smtClean="0"/>
+              <a:rPr lang="es-ES"/>
               <a:t>Quinto nivel</a:t>
             </a:r>
             <a:endParaRPr lang="en-US" dirty="0"/>
@@ -414,7 +414,7 @@
           <a:p>
             <a:fld id="{C2D44906-5E35-4262-8014-2F611CDABDE4}" type="datetimeFigureOut">
               <a:rPr lang="es-ES" smtClean="0"/>
-              <a:t>18/06/2018</a:t>
+              <a:t>30/8/19</a:t>
             </a:fld>
             <a:endParaRPr lang="es-ES"/>
           </a:p>
@@ -456,7 +456,7 @@
           <a:p>
             <a:fld id="{6E23E2FD-77A7-4251-93D3-4965AEA4B9F1}" type="slidenum">
               <a:rPr lang="es-ES" smtClean="0"/>
-              <a:t>‹Nº›</a:t>
+              <a:t>‹#›</a:t>
             </a:fld>
             <a:endParaRPr lang="es-ES"/>
           </a:p>
@@ -513,7 +513,7 @@
           <a:lstStyle/>
           <a:p>
             <a:r>
-              <a:rPr lang="es-ES" smtClean="0"/>
+              <a:rPr lang="es-ES"/>
               <a:t>Haga clic para modificar el estilo de título del patrón</a:t>
             </a:r>
             <a:endParaRPr lang="en-US" dirty="0"/>
@@ -542,35 +542,35 @@
           <a:p>
             <a:pPr lvl="0"/>
             <a:r>
-              <a:rPr lang="es-ES" smtClean="0"/>
+              <a:rPr lang="es-ES"/>
               <a:t>Editar el estilo de texto del patrón</a:t>
             </a:r>
           </a:p>
           <a:p>
             <a:pPr lvl="1"/>
             <a:r>
-              <a:rPr lang="es-ES" smtClean="0"/>
+              <a:rPr lang="es-ES"/>
               <a:t>Segundo nivel</a:t>
             </a:r>
           </a:p>
           <a:p>
             <a:pPr lvl="2"/>
             <a:r>
-              <a:rPr lang="es-ES" smtClean="0"/>
+              <a:rPr lang="es-ES"/>
               <a:t>Tercer nivel</a:t>
             </a:r>
           </a:p>
           <a:p>
             <a:pPr lvl="3"/>
             <a:r>
-              <a:rPr lang="es-ES" smtClean="0"/>
+              <a:rPr lang="es-ES"/>
               <a:t>Cuarto nivel</a:t>
             </a:r>
           </a:p>
           <a:p>
             <a:pPr lvl="4"/>
             <a:r>
-              <a:rPr lang="es-ES" smtClean="0"/>
+              <a:rPr lang="es-ES"/>
               <a:t>Quinto nivel</a:t>
             </a:r>
             <a:endParaRPr lang="en-US" dirty="0"/>
@@ -594,7 +594,7 @@
           <a:p>
             <a:fld id="{C2D44906-5E35-4262-8014-2F611CDABDE4}" type="datetimeFigureOut">
               <a:rPr lang="es-ES" smtClean="0"/>
-              <a:t>18/06/2018</a:t>
+              <a:t>30/8/19</a:t>
             </a:fld>
             <a:endParaRPr lang="es-ES"/>
           </a:p>
@@ -636,7 +636,7 @@
           <a:p>
             <a:fld id="{6E23E2FD-77A7-4251-93D3-4965AEA4B9F1}" type="slidenum">
               <a:rPr lang="es-ES" smtClean="0"/>
-              <a:t>‹Nº›</a:t>
+              <a:t>‹#›</a:t>
             </a:fld>
             <a:endParaRPr lang="es-ES"/>
           </a:p>
@@ -688,7 +688,7 @@
           <a:lstStyle/>
           <a:p>
             <a:r>
-              <a:rPr lang="es-ES" smtClean="0"/>
+              <a:rPr lang="es-ES"/>
               <a:t>Haga clic para modificar el estilo de título del patrón</a:t>
             </a:r>
             <a:endParaRPr lang="en-US" dirty="0"/>
@@ -712,35 +712,35 @@
           <a:p>
             <a:pPr lvl="0"/>
             <a:r>
-              <a:rPr lang="es-ES" smtClean="0"/>
+              <a:rPr lang="es-ES"/>
               <a:t>Editar el estilo de texto del patrón</a:t>
             </a:r>
           </a:p>
           <a:p>
             <a:pPr lvl="1"/>
             <a:r>
-              <a:rPr lang="es-ES" smtClean="0"/>
+              <a:rPr lang="es-ES"/>
               <a:t>Segundo nivel</a:t>
             </a:r>
           </a:p>
           <a:p>
             <a:pPr lvl="2"/>
             <a:r>
-              <a:rPr lang="es-ES" smtClean="0"/>
+              <a:rPr lang="es-ES"/>
               <a:t>Tercer nivel</a:t>
             </a:r>
           </a:p>
           <a:p>
             <a:pPr lvl="3"/>
             <a:r>
-              <a:rPr lang="es-ES" smtClean="0"/>
+              <a:rPr lang="es-ES"/>
               <a:t>Cuarto nivel</a:t>
             </a:r>
           </a:p>
           <a:p>
             <a:pPr lvl="4"/>
             <a:r>
-              <a:rPr lang="es-ES" smtClean="0"/>
+              <a:rPr lang="es-ES"/>
               <a:t>Quinto nivel</a:t>
             </a:r>
             <a:endParaRPr lang="en-US" dirty="0"/>
@@ -764,7 +764,7 @@
           <a:p>
             <a:fld id="{C2D44906-5E35-4262-8014-2F611CDABDE4}" type="datetimeFigureOut">
               <a:rPr lang="es-ES" smtClean="0"/>
-              <a:t>18/06/2018</a:t>
+              <a:t>30/8/19</a:t>
             </a:fld>
             <a:endParaRPr lang="es-ES"/>
           </a:p>
@@ -806,7 +806,7 @@
           <a:p>
             <a:fld id="{6E23E2FD-77A7-4251-93D3-4965AEA4B9F1}" type="slidenum">
               <a:rPr lang="es-ES" smtClean="0"/>
-              <a:t>‹Nº›</a:t>
+              <a:t>‹#›</a:t>
             </a:fld>
             <a:endParaRPr lang="es-ES"/>
           </a:p>
@@ -867,7 +867,7 @@
           </a:lstStyle>
           <a:p>
             <a:r>
-              <a:rPr lang="es-ES" smtClean="0"/>
+              <a:rPr lang="es-ES"/>
               <a:t>Haga clic para modificar el estilo de título del patrón</a:t>
             </a:r>
             <a:endParaRPr lang="en-US" dirty="0"/>
@@ -985,7 +985,7 @@
           <a:p>
             <a:pPr lvl="0"/>
             <a:r>
-              <a:rPr lang="es-ES" smtClean="0"/>
+              <a:rPr lang="es-ES"/>
               <a:t>Editar el estilo de texto del patrón</a:t>
             </a:r>
           </a:p>
@@ -1008,7 +1008,7 @@
           <a:p>
             <a:fld id="{C2D44906-5E35-4262-8014-2F611CDABDE4}" type="datetimeFigureOut">
               <a:rPr lang="es-ES" smtClean="0"/>
-              <a:t>18/06/2018</a:t>
+              <a:t>30/8/19</a:t>
             </a:fld>
             <a:endParaRPr lang="es-ES"/>
           </a:p>
@@ -1050,7 +1050,7 @@
           <a:p>
             <a:fld id="{6E23E2FD-77A7-4251-93D3-4965AEA4B9F1}" type="slidenum">
               <a:rPr lang="es-ES" smtClean="0"/>
-              <a:t>‹Nº›</a:t>
+              <a:t>‹#›</a:t>
             </a:fld>
             <a:endParaRPr lang="es-ES"/>
           </a:p>
@@ -1102,7 +1102,7 @@
           <a:lstStyle/>
           <a:p>
             <a:r>
-              <a:rPr lang="es-ES" smtClean="0"/>
+              <a:rPr lang="es-ES"/>
               <a:t>Haga clic para modificar el estilo de título del patrón</a:t>
             </a:r>
             <a:endParaRPr lang="en-US" dirty="0"/>
@@ -1131,35 +1131,35 @@
           <a:p>
             <a:pPr lvl="0"/>
             <a:r>
-              <a:rPr lang="es-ES" smtClean="0"/>
+              <a:rPr lang="es-ES"/>
               <a:t>Editar el estilo de texto del patrón</a:t>
             </a:r>
           </a:p>
           <a:p>
             <a:pPr lvl="1"/>
             <a:r>
-              <a:rPr lang="es-ES" smtClean="0"/>
+              <a:rPr lang="es-ES"/>
               <a:t>Segundo nivel</a:t>
             </a:r>
           </a:p>
           <a:p>
             <a:pPr lvl="2"/>
             <a:r>
-              <a:rPr lang="es-ES" smtClean="0"/>
+              <a:rPr lang="es-ES"/>
               <a:t>Tercer nivel</a:t>
             </a:r>
           </a:p>
           <a:p>
             <a:pPr lvl="3"/>
             <a:r>
-              <a:rPr lang="es-ES" smtClean="0"/>
+              <a:rPr lang="es-ES"/>
               <a:t>Cuarto nivel</a:t>
             </a:r>
           </a:p>
           <a:p>
             <a:pPr lvl="4"/>
             <a:r>
-              <a:rPr lang="es-ES" smtClean="0"/>
+              <a:rPr lang="es-ES"/>
               <a:t>Quinto nivel</a:t>
             </a:r>
             <a:endParaRPr lang="en-US" dirty="0"/>
@@ -1188,35 +1188,35 @@
           <a:p>
             <a:pPr lvl="0"/>
             <a:r>
-              <a:rPr lang="es-ES" smtClean="0"/>
+              <a:rPr lang="es-ES"/>
               <a:t>Editar el estilo de texto del patrón</a:t>
             </a:r>
           </a:p>
           <a:p>
             <a:pPr lvl="1"/>
             <a:r>
-              <a:rPr lang="es-ES" smtClean="0"/>
+              <a:rPr lang="es-ES"/>
               <a:t>Segundo nivel</a:t>
             </a:r>
           </a:p>
           <a:p>
             <a:pPr lvl="2"/>
             <a:r>
-              <a:rPr lang="es-ES" smtClean="0"/>
+              <a:rPr lang="es-ES"/>
               <a:t>Tercer nivel</a:t>
             </a:r>
           </a:p>
           <a:p>
             <a:pPr lvl="3"/>
             <a:r>
-              <a:rPr lang="es-ES" smtClean="0"/>
+              <a:rPr lang="es-ES"/>
               <a:t>Cuarto nivel</a:t>
             </a:r>
           </a:p>
           <a:p>
             <a:pPr lvl="4"/>
             <a:r>
-              <a:rPr lang="es-ES" smtClean="0"/>
+              <a:rPr lang="es-ES"/>
               <a:t>Quinto nivel</a:t>
             </a:r>
             <a:endParaRPr lang="en-US" dirty="0"/>
@@ -1240,7 +1240,7 @@
           <a:p>
             <a:fld id="{C2D44906-5E35-4262-8014-2F611CDABDE4}" type="datetimeFigureOut">
               <a:rPr lang="es-ES" smtClean="0"/>
-              <a:t>18/06/2018</a:t>
+              <a:t>30/8/19</a:t>
             </a:fld>
             <a:endParaRPr lang="es-ES"/>
           </a:p>
@@ -1282,7 +1282,7 @@
           <a:p>
             <a:fld id="{6E23E2FD-77A7-4251-93D3-4965AEA4B9F1}" type="slidenum">
               <a:rPr lang="es-ES" smtClean="0"/>
-              <a:t>‹Nº›</a:t>
+              <a:t>‹#›</a:t>
             </a:fld>
             <a:endParaRPr lang="es-ES"/>
           </a:p>
@@ -1339,7 +1339,7 @@
           <a:lstStyle/>
           <a:p>
             <a:r>
-              <a:rPr lang="es-ES" smtClean="0"/>
+              <a:rPr lang="es-ES"/>
               <a:t>Haga clic para modificar el estilo de título del patrón</a:t>
             </a:r>
             <a:endParaRPr lang="en-US" dirty="0"/>
@@ -1405,7 +1405,7 @@
           <a:p>
             <a:pPr lvl="0"/>
             <a:r>
-              <a:rPr lang="es-ES" smtClean="0"/>
+              <a:rPr lang="es-ES"/>
               <a:t>Editar el estilo de texto del patrón</a:t>
             </a:r>
           </a:p>
@@ -1433,35 +1433,35 @@
           <a:p>
             <a:pPr lvl="0"/>
             <a:r>
-              <a:rPr lang="es-ES" smtClean="0"/>
+              <a:rPr lang="es-ES"/>
               <a:t>Editar el estilo de texto del patrón</a:t>
             </a:r>
           </a:p>
           <a:p>
             <a:pPr lvl="1"/>
             <a:r>
-              <a:rPr lang="es-ES" smtClean="0"/>
+              <a:rPr lang="es-ES"/>
               <a:t>Segundo nivel</a:t>
             </a:r>
           </a:p>
           <a:p>
             <a:pPr lvl="2"/>
             <a:r>
-              <a:rPr lang="es-ES" smtClean="0"/>
+              <a:rPr lang="es-ES"/>
               <a:t>Tercer nivel</a:t>
             </a:r>
           </a:p>
           <a:p>
             <a:pPr lvl="3"/>
             <a:r>
-              <a:rPr lang="es-ES" smtClean="0"/>
+              <a:rPr lang="es-ES"/>
               <a:t>Cuarto nivel</a:t>
             </a:r>
           </a:p>
           <a:p>
             <a:pPr lvl="4"/>
             <a:r>
-              <a:rPr lang="es-ES" smtClean="0"/>
+              <a:rPr lang="es-ES"/>
               <a:t>Quinto nivel</a:t>
             </a:r>
             <a:endParaRPr lang="en-US" dirty="0"/>
@@ -1527,7 +1527,7 @@
           <a:p>
             <a:pPr lvl="0"/>
             <a:r>
-              <a:rPr lang="es-ES" smtClean="0"/>
+              <a:rPr lang="es-ES"/>
               <a:t>Editar el estilo de texto del patrón</a:t>
             </a:r>
           </a:p>
@@ -1555,35 +1555,35 @@
           <a:p>
             <a:pPr lvl="0"/>
             <a:r>
-              <a:rPr lang="es-ES" smtClean="0"/>
+              <a:rPr lang="es-ES"/>
               <a:t>Editar el estilo de texto del patrón</a:t>
             </a:r>
           </a:p>
           <a:p>
             <a:pPr lvl="1"/>
             <a:r>
-              <a:rPr lang="es-ES" smtClean="0"/>
+              <a:rPr lang="es-ES"/>
               <a:t>Segundo nivel</a:t>
             </a:r>
           </a:p>
           <a:p>
             <a:pPr lvl="2"/>
             <a:r>
-              <a:rPr lang="es-ES" smtClean="0"/>
+              <a:rPr lang="es-ES"/>
               <a:t>Tercer nivel</a:t>
             </a:r>
           </a:p>
           <a:p>
             <a:pPr lvl="3"/>
             <a:r>
-              <a:rPr lang="es-ES" smtClean="0"/>
+              <a:rPr lang="es-ES"/>
               <a:t>Cuarto nivel</a:t>
             </a:r>
           </a:p>
           <a:p>
             <a:pPr lvl="4"/>
             <a:r>
-              <a:rPr lang="es-ES" smtClean="0"/>
+              <a:rPr lang="es-ES"/>
               <a:t>Quinto nivel</a:t>
             </a:r>
             <a:endParaRPr lang="en-US" dirty="0"/>
@@ -1607,7 +1607,7 @@
           <a:p>
             <a:fld id="{C2D44906-5E35-4262-8014-2F611CDABDE4}" type="datetimeFigureOut">
               <a:rPr lang="es-ES" smtClean="0"/>
-              <a:t>18/06/2018</a:t>
+              <a:t>30/8/19</a:t>
             </a:fld>
             <a:endParaRPr lang="es-ES"/>
           </a:p>
@@ -1649,7 +1649,7 @@
           <a:p>
             <a:fld id="{6E23E2FD-77A7-4251-93D3-4965AEA4B9F1}" type="slidenum">
               <a:rPr lang="es-ES" smtClean="0"/>
-              <a:t>‹Nº›</a:t>
+              <a:t>‹#›</a:t>
             </a:fld>
             <a:endParaRPr lang="es-ES"/>
           </a:p>
@@ -1701,7 +1701,7 @@
           <a:lstStyle/>
           <a:p>
             <a:r>
-              <a:rPr lang="es-ES" smtClean="0"/>
+              <a:rPr lang="es-ES"/>
               <a:t>Haga clic para modificar el estilo de título del patrón</a:t>
             </a:r>
             <a:endParaRPr lang="en-US" dirty="0"/>
@@ -1725,7 +1725,7 @@
           <a:p>
             <a:fld id="{C2D44906-5E35-4262-8014-2F611CDABDE4}" type="datetimeFigureOut">
               <a:rPr lang="es-ES" smtClean="0"/>
-              <a:t>18/06/2018</a:t>
+              <a:t>30/8/19</a:t>
             </a:fld>
             <a:endParaRPr lang="es-ES"/>
           </a:p>
@@ -1767,7 +1767,7 @@
           <a:p>
             <a:fld id="{6E23E2FD-77A7-4251-93D3-4965AEA4B9F1}" type="slidenum">
               <a:rPr lang="es-ES" smtClean="0"/>
-              <a:t>‹Nº›</a:t>
+              <a:t>‹#›</a:t>
             </a:fld>
             <a:endParaRPr lang="es-ES"/>
           </a:p>
@@ -1820,7 +1820,7 @@
           <a:p>
             <a:fld id="{C2D44906-5E35-4262-8014-2F611CDABDE4}" type="datetimeFigureOut">
               <a:rPr lang="es-ES" smtClean="0"/>
-              <a:t>18/06/2018</a:t>
+              <a:t>30/8/19</a:t>
             </a:fld>
             <a:endParaRPr lang="es-ES"/>
           </a:p>
@@ -1862,7 +1862,7 @@
           <a:p>
             <a:fld id="{6E23E2FD-77A7-4251-93D3-4965AEA4B9F1}" type="slidenum">
               <a:rPr lang="es-ES" smtClean="0"/>
-              <a:t>‹Nº›</a:t>
+              <a:t>‹#›</a:t>
             </a:fld>
             <a:endParaRPr lang="es-ES"/>
           </a:p>
@@ -1923,7 +1923,7 @@
           </a:lstStyle>
           <a:p>
             <a:r>
-              <a:rPr lang="es-ES" smtClean="0"/>
+              <a:rPr lang="es-ES"/>
               <a:t>Haga clic para modificar el estilo de título del patrón</a:t>
             </a:r>
             <a:endParaRPr lang="en-US" dirty="0"/>
@@ -1980,35 +1980,35 @@
           <a:p>
             <a:pPr lvl="0"/>
             <a:r>
-              <a:rPr lang="es-ES" smtClean="0"/>
+              <a:rPr lang="es-ES"/>
               <a:t>Editar el estilo de texto del patrón</a:t>
             </a:r>
           </a:p>
           <a:p>
             <a:pPr lvl="1"/>
             <a:r>
-              <a:rPr lang="es-ES" smtClean="0"/>
+              <a:rPr lang="es-ES"/>
               <a:t>Segundo nivel</a:t>
             </a:r>
           </a:p>
           <a:p>
             <a:pPr lvl="2"/>
             <a:r>
-              <a:rPr lang="es-ES" smtClean="0"/>
+              <a:rPr lang="es-ES"/>
               <a:t>Tercer nivel</a:t>
             </a:r>
           </a:p>
           <a:p>
             <a:pPr lvl="3"/>
             <a:r>
-              <a:rPr lang="es-ES" smtClean="0"/>
+              <a:rPr lang="es-ES"/>
               <a:t>Cuarto nivel</a:t>
             </a:r>
           </a:p>
           <a:p>
             <a:pPr lvl="4"/>
             <a:r>
-              <a:rPr lang="es-ES" smtClean="0"/>
+              <a:rPr lang="es-ES"/>
               <a:t>Quinto nivel</a:t>
             </a:r>
             <a:endParaRPr lang="en-US" dirty="0"/>
@@ -2074,7 +2074,7 @@
           <a:p>
             <a:pPr lvl="0"/>
             <a:r>
-              <a:rPr lang="es-ES" smtClean="0"/>
+              <a:rPr lang="es-ES"/>
               <a:t>Editar el estilo de texto del patrón</a:t>
             </a:r>
           </a:p>
@@ -2097,7 +2097,7 @@
           <a:p>
             <a:fld id="{C2D44906-5E35-4262-8014-2F611CDABDE4}" type="datetimeFigureOut">
               <a:rPr lang="es-ES" smtClean="0"/>
-              <a:t>18/06/2018</a:t>
+              <a:t>30/8/19</a:t>
             </a:fld>
             <a:endParaRPr lang="es-ES"/>
           </a:p>
@@ -2139,7 +2139,7 @@
           <a:p>
             <a:fld id="{6E23E2FD-77A7-4251-93D3-4965AEA4B9F1}" type="slidenum">
               <a:rPr lang="es-ES" smtClean="0"/>
-              <a:t>‹Nº›</a:t>
+              <a:t>‹#›</a:t>
             </a:fld>
             <a:endParaRPr lang="es-ES"/>
           </a:p>
@@ -2200,7 +2200,7 @@
           </a:lstStyle>
           <a:p>
             <a:r>
-              <a:rPr lang="es-ES" smtClean="0"/>
+              <a:rPr lang="es-ES"/>
               <a:t>Haga clic para modificar el estilo de título del patrón</a:t>
             </a:r>
             <a:endParaRPr lang="en-US" dirty="0"/>
@@ -2265,7 +2265,7 @@
           </a:lstStyle>
           <a:p>
             <a:r>
-              <a:rPr lang="es-ES" smtClean="0"/>
+              <a:rPr lang="es-ES"/>
               <a:t>Haga clic en el icono para agregar una imagen</a:t>
             </a:r>
             <a:endParaRPr lang="en-US" dirty="0"/>
@@ -2331,7 +2331,7 @@
           <a:p>
             <a:pPr lvl="0"/>
             <a:r>
-              <a:rPr lang="es-ES" smtClean="0"/>
+              <a:rPr lang="es-ES"/>
               <a:t>Editar el estilo de texto del patrón</a:t>
             </a:r>
           </a:p>
@@ -2354,7 +2354,7 @@
           <a:p>
             <a:fld id="{C2D44906-5E35-4262-8014-2F611CDABDE4}" type="datetimeFigureOut">
               <a:rPr lang="es-ES" smtClean="0"/>
-              <a:t>18/06/2018</a:t>
+              <a:t>30/8/19</a:t>
             </a:fld>
             <a:endParaRPr lang="es-ES"/>
           </a:p>
@@ -2396,7 +2396,7 @@
           <a:p>
             <a:fld id="{6E23E2FD-77A7-4251-93D3-4965AEA4B9F1}" type="slidenum">
               <a:rPr lang="es-ES" smtClean="0"/>
-              <a:t>‹Nº›</a:t>
+              <a:t>‹#›</a:t>
             </a:fld>
             <a:endParaRPr lang="es-ES"/>
           </a:p>
@@ -2463,7 +2463,7 @@
           <a:lstStyle/>
           <a:p>
             <a:r>
-              <a:rPr lang="es-ES" smtClean="0"/>
+              <a:rPr lang="es-ES"/>
               <a:t>Haga clic para modificar el estilo de título del patrón</a:t>
             </a:r>
             <a:endParaRPr lang="en-US" dirty="0"/>
@@ -2497,35 +2497,35 @@
           <a:p>
             <a:pPr lvl="0"/>
             <a:r>
-              <a:rPr lang="es-ES" smtClean="0"/>
+              <a:rPr lang="es-ES"/>
               <a:t>Editar el estilo de texto del patrón</a:t>
             </a:r>
           </a:p>
           <a:p>
             <a:pPr lvl="1"/>
             <a:r>
-              <a:rPr lang="es-ES" smtClean="0"/>
+              <a:rPr lang="es-ES"/>
               <a:t>Segundo nivel</a:t>
             </a:r>
           </a:p>
           <a:p>
             <a:pPr lvl="2"/>
             <a:r>
-              <a:rPr lang="es-ES" smtClean="0"/>
+              <a:rPr lang="es-ES"/>
               <a:t>Tercer nivel</a:t>
             </a:r>
           </a:p>
           <a:p>
             <a:pPr lvl="3"/>
             <a:r>
-              <a:rPr lang="es-ES" smtClean="0"/>
+              <a:rPr lang="es-ES"/>
               <a:t>Cuarto nivel</a:t>
             </a:r>
           </a:p>
           <a:p>
             <a:pPr lvl="4"/>
             <a:r>
-              <a:rPr lang="es-ES" smtClean="0"/>
+              <a:rPr lang="es-ES"/>
               <a:t>Quinto nivel</a:t>
             </a:r>
             <a:endParaRPr lang="en-US" dirty="0"/>
@@ -2567,7 +2567,7 @@
           <a:p>
             <a:fld id="{C2D44906-5E35-4262-8014-2F611CDABDE4}" type="datetimeFigureOut">
               <a:rPr lang="es-ES" smtClean="0"/>
-              <a:t>18/06/2018</a:t>
+              <a:t>30/8/19</a:t>
             </a:fld>
             <a:endParaRPr lang="es-ES"/>
           </a:p>
@@ -2645,7 +2645,7 @@
           <a:p>
             <a:fld id="{6E23E2FD-77A7-4251-93D3-4965AEA4B9F1}" type="slidenum">
               <a:rPr lang="es-ES" smtClean="0"/>
-              <a:t>‹Nº›</a:t>
+              <a:t>‹#›</a:t>
             </a:fld>
             <a:endParaRPr lang="es-ES"/>
           </a:p>
@@ -3003,12 +3003,6 @@
               </a:rPr>
               <a:t>A           Y</a:t>
             </a:r>
-            <a:endParaRPr lang="es-ES" sz="8000" dirty="0">
-              <a:solidFill>
-                <a:srgbClr val="2268BC"/>
-              </a:solidFill>
-              <a:latin typeface="Arial Black" panose="020B0A04020102020204" pitchFamily="34" charset="0"/>
-            </a:endParaRPr>
           </a:p>
         </p:txBody>
       </p:sp>
@@ -3232,8 +3226,8 @@
         </p:nvSpPr>
         <p:spPr>
           <a:xfrm>
-            <a:off x="2948560" y="578248"/>
-            <a:ext cx="1870625" cy="1200329"/>
+            <a:off x="2602315" y="598096"/>
+            <a:ext cx="1870625" cy="830997"/>
           </a:xfrm>
           <a:prstGeom prst="rect">
             <a:avLst/>
@@ -3259,26 +3253,21 @@
           </a:lstStyle>
           <a:p>
             <a:r>
-              <a:rPr lang="es-ES" sz="7200" dirty="0">
+              <a:rPr lang="es-ES" sz="7200" baseline="-25000" dirty="0">
                 <a:solidFill>
                   <a:srgbClr val="C00000"/>
                 </a:solidFill>
               </a:rPr>
-              <a:t>Z</a:t>
-            </a:r>
-            <a:r>
-              <a:rPr lang="es-ES" sz="4800" baseline="-25000" dirty="0">
+              <a:t> </a:t>
+            </a:r>
+            <a:r>
+              <a:rPr lang="es-ES" sz="5400" baseline="-25000" dirty="0">
                 <a:solidFill>
                   <a:srgbClr val="C00000"/>
                 </a:solidFill>
               </a:rPr>
-              <a:t>3</a:t>
-            </a:r>
-            <a:endParaRPr lang="es-ES" sz="4800" baseline="-25000" dirty="0">
-              <a:solidFill>
-                <a:srgbClr val="C00000"/>
-              </a:solidFill>
-            </a:endParaRPr>
+              <a:t>COL</a:t>
+            </a:r>
           </a:p>
         </p:txBody>
       </p:sp>
@@ -3372,8 +3361,8 @@
         </p:nvSpPr>
         <p:spPr>
           <a:xfrm>
-            <a:off x="2911014" y="4092077"/>
-            <a:ext cx="1870625" cy="1200329"/>
+            <a:off x="2780506" y="4327525"/>
+            <a:ext cx="1870625" cy="646331"/>
           </a:xfrm>
           <a:prstGeom prst="rect">
             <a:avLst/>
@@ -3399,26 +3388,13 @@
           </a:lstStyle>
           <a:p>
             <a:r>
-              <a:rPr lang="es-ES" sz="7200" dirty="0">
+              <a:rPr lang="es-ES" sz="5400" baseline="-25000" dirty="0">
                 <a:solidFill>
                   <a:srgbClr val="C00000"/>
                 </a:solidFill>
               </a:rPr>
-              <a:t>Z</a:t>
-            </a:r>
-            <a:r>
-              <a:rPr lang="es-ES" sz="4800" baseline="-25000" dirty="0">
-                <a:solidFill>
-                  <a:srgbClr val="C00000"/>
-                </a:solidFill>
-              </a:rPr>
-              <a:t>1</a:t>
-            </a:r>
-            <a:endParaRPr lang="es-ES" sz="4800" baseline="-25000" dirty="0">
-              <a:solidFill>
-                <a:srgbClr val="C00000"/>
-              </a:solidFill>
-            </a:endParaRPr>
+              <a:t>MED</a:t>
+            </a:r>
           </a:p>
         </p:txBody>
       </p:sp>
@@ -3514,8 +3490,8 @@
         </p:nvSpPr>
         <p:spPr>
           <a:xfrm>
-            <a:off x="2887898" y="2222174"/>
-            <a:ext cx="1208403" cy="1200329"/>
+            <a:off x="2986445" y="2129582"/>
+            <a:ext cx="1082839" cy="913070"/>
           </a:xfrm>
           <a:prstGeom prst="rect">
             <a:avLst/>
@@ -3541,14 +3517,9 @@
           </a:lstStyle>
           <a:p>
             <a:r>
-              <a:rPr lang="es-ES" sz="7200" dirty="0"/>
-              <a:t>Z</a:t>
-            </a:r>
-            <a:r>
-              <a:rPr lang="es-ES" sz="4800" baseline="-25000" dirty="0"/>
-              <a:t>2</a:t>
-            </a:r>
-            <a:endParaRPr lang="es-ES" sz="4800" baseline="-25000" dirty="0"/>
+              <a:rPr lang="es-ES" baseline="-25000" dirty="0"/>
+              <a:t>W</a:t>
+            </a:r>
           </a:p>
         </p:txBody>
       </p:sp>
@@ -3728,12 +3699,6 @@
               </a:rPr>
               <a:t>A           Y</a:t>
             </a:r>
-            <a:endParaRPr lang="es-ES" sz="8000" dirty="0">
-              <a:solidFill>
-                <a:srgbClr val="2268BC"/>
-              </a:solidFill>
-              <a:latin typeface="Arial Black" panose="020B0A04020102020204" pitchFamily="34" charset="0"/>
-            </a:endParaRPr>
           </a:p>
         </p:txBody>
       </p:sp>
@@ -3999,11 +3964,6 @@
               </a:rPr>
               <a:t>3</a:t>
             </a:r>
-            <a:endParaRPr lang="es-ES" sz="4800" baseline="-25000" dirty="0">
-              <a:solidFill>
-                <a:srgbClr val="C00000"/>
-              </a:solidFill>
-            </a:endParaRPr>
           </a:p>
         </p:txBody>
       </p:sp>
@@ -4139,11 +4099,6 @@
               </a:rPr>
               <a:t>1</a:t>
             </a:r>
-            <a:endParaRPr lang="es-ES" sz="4800" baseline="-25000" dirty="0">
-              <a:solidFill>
-                <a:srgbClr val="C00000"/>
-              </a:solidFill>
-            </a:endParaRPr>
           </a:p>
         </p:txBody>
       </p:sp>
@@ -4273,7 +4228,6 @@
               <a:rPr lang="es-ES" sz="4800" baseline="-25000" dirty="0"/>
               <a:t>2</a:t>
             </a:r>
-            <a:endParaRPr lang="es-ES" sz="4800" baseline="-25000" dirty="0"/>
           </a:p>
         </p:txBody>
       </p:sp>
